--- a/Intro to Openvas.pptx
+++ b/Intro to Openvas.pptx
@@ -5,22 +5,25 @@
     <p:sldMasterId id="2147483660" r:id="rId1"/>
   </p:sldMasterIdLst>
   <p:notesMasterIdLst>
-    <p:notesMasterId r:id="rId15"/>
+    <p:notesMasterId r:id="rId18"/>
   </p:notesMasterIdLst>
   <p:sldIdLst>
     <p:sldId id="256" r:id="rId2"/>
     <p:sldId id="257" r:id="rId3"/>
     <p:sldId id="258" r:id="rId4"/>
-    <p:sldId id="259" r:id="rId5"/>
-    <p:sldId id="260" r:id="rId6"/>
-    <p:sldId id="261" r:id="rId7"/>
-    <p:sldId id="262" r:id="rId8"/>
-    <p:sldId id="264" r:id="rId9"/>
-    <p:sldId id="265" r:id="rId10"/>
-    <p:sldId id="266" r:id="rId11"/>
-    <p:sldId id="267" r:id="rId12"/>
-    <p:sldId id="263" r:id="rId13"/>
-    <p:sldId id="268" r:id="rId14"/>
+    <p:sldId id="271" r:id="rId5"/>
+    <p:sldId id="259" r:id="rId6"/>
+    <p:sldId id="260" r:id="rId7"/>
+    <p:sldId id="261" r:id="rId8"/>
+    <p:sldId id="262" r:id="rId9"/>
+    <p:sldId id="264" r:id="rId10"/>
+    <p:sldId id="265" r:id="rId11"/>
+    <p:sldId id="266" r:id="rId12"/>
+    <p:sldId id="267" r:id="rId13"/>
+    <p:sldId id="263" r:id="rId14"/>
+    <p:sldId id="268" r:id="rId15"/>
+    <p:sldId id="269" r:id="rId16"/>
+    <p:sldId id="270" r:id="rId17"/>
   </p:sldIdLst>
   <p:sldSz cx="12192000" cy="6858000"/>
   <p:notesSz cx="6858000" cy="9144000"/>
@@ -209,7 +212,7 @@
           <a:p>
             <a:fld id="{E134C80D-A649-4FCA-9239-F8E755BA67D8}" type="datetimeFigureOut">
               <a:rPr lang="en-US" smtClean="0"/>
-              <a:t>5/25/2021</a:t>
+              <a:t>6/2/2021</a:t>
             </a:fld>
             <a:endParaRPr lang="en-US"/>
           </a:p>
@@ -818,7 +821,7 @@
           <a:p>
             <a:fld id="{095F0CCD-4FE7-4ECA-85B4-AFFC29E36B72}" type="datetimeFigureOut">
               <a:rPr lang="en-US" smtClean="0"/>
-              <a:t>5/25/2021</a:t>
+              <a:t>6/2/2021</a:t>
             </a:fld>
             <a:endParaRPr lang="en-US"/>
           </a:p>
@@ -1149,7 +1152,7 @@
           <a:p>
             <a:fld id="{095F0CCD-4FE7-4ECA-85B4-AFFC29E36B72}" type="datetimeFigureOut">
               <a:rPr lang="en-US" smtClean="0"/>
-              <a:t>5/25/2021</a:t>
+              <a:t>6/2/2021</a:t>
             </a:fld>
             <a:endParaRPr lang="en-US"/>
           </a:p>
@@ -1408,7 +1411,7 @@
           <a:p>
             <a:fld id="{095F0CCD-4FE7-4ECA-85B4-AFFC29E36B72}" type="datetimeFigureOut">
               <a:rPr lang="en-US" smtClean="0"/>
-              <a:t>5/25/2021</a:t>
+              <a:t>6/2/2021</a:t>
             </a:fld>
             <a:endParaRPr lang="en-US"/>
           </a:p>
@@ -1877,7 +1880,7 @@
           <a:p>
             <a:fld id="{095F0CCD-4FE7-4ECA-85B4-AFFC29E36B72}" type="datetimeFigureOut">
               <a:rPr lang="en-US" smtClean="0"/>
-              <a:t>5/25/2021</a:t>
+              <a:t>6/2/2021</a:t>
             </a:fld>
             <a:endParaRPr lang="en-US"/>
           </a:p>
@@ -2057,7 +2060,7 @@
           <a:p>
             <a:fld id="{095F0CCD-4FE7-4ECA-85B4-AFFC29E36B72}" type="datetimeFigureOut">
               <a:rPr lang="en-US" smtClean="0"/>
-              <a:t>5/25/2021</a:t>
+              <a:t>6/2/2021</a:t>
             </a:fld>
             <a:endParaRPr lang="en-US"/>
           </a:p>
@@ -2633,7 +2636,7 @@
           <a:p>
             <a:fld id="{095F0CCD-4FE7-4ECA-85B4-AFFC29E36B72}" type="datetimeFigureOut">
               <a:rPr lang="en-US" smtClean="0"/>
-              <a:t>5/25/2021</a:t>
+              <a:t>6/2/2021</a:t>
             </a:fld>
             <a:endParaRPr lang="en-US"/>
           </a:p>
@@ -2965,7 +2968,7 @@
           <a:p>
             <a:fld id="{095F0CCD-4FE7-4ECA-85B4-AFFC29E36B72}" type="datetimeFigureOut">
               <a:rPr lang="en-US" smtClean="0"/>
-              <a:t>5/25/2021</a:t>
+              <a:t>6/2/2021</a:t>
             </a:fld>
             <a:endParaRPr lang="en-US"/>
           </a:p>
@@ -3140,7 +3143,7 @@
           <a:p>
             <a:fld id="{095F0CCD-4FE7-4ECA-85B4-AFFC29E36B72}" type="datetimeFigureOut">
               <a:rPr lang="en-US" smtClean="0"/>
-              <a:t>5/25/2021</a:t>
+              <a:t>6/2/2021</a:t>
             </a:fld>
             <a:endParaRPr lang="en-US"/>
           </a:p>
@@ -3320,7 +3323,7 @@
           <a:p>
             <a:fld id="{095F0CCD-4FE7-4ECA-85B4-AFFC29E36B72}" type="datetimeFigureOut">
               <a:rPr lang="en-US" smtClean="0"/>
-              <a:t>5/25/2021</a:t>
+              <a:t>6/2/2021</a:t>
             </a:fld>
             <a:endParaRPr lang="en-US"/>
           </a:p>
@@ -3490,7 +3493,7 @@
           <a:p>
             <a:fld id="{095F0CCD-4FE7-4ECA-85B4-AFFC29E36B72}" type="datetimeFigureOut">
               <a:rPr lang="en-US" smtClean="0"/>
-              <a:t>5/25/2021</a:t>
+              <a:t>6/2/2021</a:t>
             </a:fld>
             <a:endParaRPr lang="en-US"/>
           </a:p>
@@ -3747,7 +3750,7 @@
           <a:p>
             <a:fld id="{095F0CCD-4FE7-4ECA-85B4-AFFC29E36B72}" type="datetimeFigureOut">
               <a:rPr lang="en-US" smtClean="0"/>
-              <a:t>5/25/2021</a:t>
+              <a:t>6/2/2021</a:t>
             </a:fld>
             <a:endParaRPr lang="en-US"/>
           </a:p>
@@ -4039,7 +4042,7 @@
           <a:p>
             <a:fld id="{095F0CCD-4FE7-4ECA-85B4-AFFC29E36B72}" type="datetimeFigureOut">
               <a:rPr lang="en-US" smtClean="0"/>
-              <a:t>5/25/2021</a:t>
+              <a:t>6/2/2021</a:t>
             </a:fld>
             <a:endParaRPr lang="en-US"/>
           </a:p>
@@ -4469,7 +4472,7 @@
           <a:p>
             <a:fld id="{095F0CCD-4FE7-4ECA-85B4-AFFC29E36B72}" type="datetimeFigureOut">
               <a:rPr lang="en-US" smtClean="0"/>
-              <a:t>5/25/2021</a:t>
+              <a:t>6/2/2021</a:t>
             </a:fld>
             <a:endParaRPr lang="en-US"/>
           </a:p>
@@ -4587,7 +4590,7 @@
           <a:p>
             <a:fld id="{095F0CCD-4FE7-4ECA-85B4-AFFC29E36B72}" type="datetimeFigureOut">
               <a:rPr lang="en-US" smtClean="0"/>
-              <a:t>5/25/2021</a:t>
+              <a:t>6/2/2021</a:t>
             </a:fld>
             <a:endParaRPr lang="en-US"/>
           </a:p>
@@ -4682,7 +4685,7 @@
           <a:p>
             <a:fld id="{095F0CCD-4FE7-4ECA-85B4-AFFC29E36B72}" type="datetimeFigureOut">
               <a:rPr lang="en-US" smtClean="0"/>
-              <a:t>5/25/2021</a:t>
+              <a:t>6/2/2021</a:t>
             </a:fld>
             <a:endParaRPr lang="en-US"/>
           </a:p>
@@ -4965,7 +4968,7 @@
           <a:p>
             <a:fld id="{095F0CCD-4FE7-4ECA-85B4-AFFC29E36B72}" type="datetimeFigureOut">
               <a:rPr lang="en-US" smtClean="0"/>
-              <a:t>5/25/2021</a:t>
+              <a:t>6/2/2021</a:t>
             </a:fld>
             <a:endParaRPr lang="en-US"/>
           </a:p>
@@ -5256,7 +5259,7 @@
           <a:p>
             <a:fld id="{095F0CCD-4FE7-4ECA-85B4-AFFC29E36B72}" type="datetimeFigureOut">
               <a:rPr lang="en-US" smtClean="0"/>
-              <a:t>5/25/2021</a:t>
+              <a:t>6/2/2021</a:t>
             </a:fld>
             <a:endParaRPr lang="en-US"/>
           </a:p>
@@ -5524,7 +5527,7 @@
           <a:p>
             <a:fld id="{095F0CCD-4FE7-4ECA-85B4-AFFC29E36B72}" type="datetimeFigureOut">
               <a:rPr lang="en-US" smtClean="0"/>
-              <a:t>5/25/2021</a:t>
+              <a:t>6/2/2021</a:t>
             </a:fld>
             <a:endParaRPr lang="en-US"/>
           </a:p>
@@ -6389,6 +6392,357 @@
           <p:cNvPr id="2" name="Title 1">
             <a:extLst>
               <a:ext uri="{FF2B5EF4-FFF2-40B4-BE49-F238E27FC236}">
+                <a16:creationId xmlns:a16="http://schemas.microsoft.com/office/drawing/2014/main" id="{E230FDE6-CB8D-45F2-A954-D5FEE8351561}"/>
+              </a:ext>
+            </a:extLst>
+          </p:cNvPr>
+          <p:cNvSpPr>
+            <a:spLocks noGrp="1"/>
+          </p:cNvSpPr>
+          <p:nvPr>
+            <p:ph type="title"/>
+          </p:nvPr>
+        </p:nvSpPr>
+        <p:spPr/>
+        <p:txBody>
+          <a:bodyPr/>
+          <a:lstStyle/>
+          <a:p>
+            <a:pPr algn="ctr"/>
+            <a:r>
+              <a:rPr lang="en-US" dirty="0"/>
+              <a:t>OpenVAS Install (Cont.)</a:t>
+            </a:r>
+          </a:p>
+        </p:txBody>
+      </p:sp>
+      <p:pic>
+        <p:nvPicPr>
+          <p:cNvPr id="5" name="Content Placeholder 4">
+            <a:extLst>
+              <a:ext uri="{FF2B5EF4-FFF2-40B4-BE49-F238E27FC236}">
+                <a16:creationId xmlns:a16="http://schemas.microsoft.com/office/drawing/2014/main" id="{C7716B5E-741C-494C-8CC8-885026657B4D}"/>
+              </a:ext>
+            </a:extLst>
+          </p:cNvPr>
+          <p:cNvPicPr>
+            <a:picLocks noGrp="1" noChangeAspect="1"/>
+          </p:cNvPicPr>
+          <p:nvPr>
+            <p:ph idx="1"/>
+          </p:nvPr>
+        </p:nvPicPr>
+        <p:blipFill>
+          <a:blip r:embed="rId2"/>
+          <a:stretch>
+            <a:fillRect/>
+          </a:stretch>
+        </p:blipFill>
+        <p:spPr>
+          <a:xfrm>
+            <a:off x="1126605" y="2514600"/>
+            <a:ext cx="9953642" cy="2519516"/>
+          </a:xfrm>
+        </p:spPr>
+      </p:pic>
+      <p:sp>
+        <p:nvSpPr>
+          <p:cNvPr id="3" name="Rectangle 2">
+            <a:extLst>
+              <a:ext uri="{FF2B5EF4-FFF2-40B4-BE49-F238E27FC236}">
+                <a16:creationId xmlns:a16="http://schemas.microsoft.com/office/drawing/2014/main" id="{51372EA9-C36B-449A-9177-847C37DCB77E}"/>
+              </a:ext>
+            </a:extLst>
+          </p:cNvPr>
+          <p:cNvSpPr/>
+          <p:nvPr/>
+        </p:nvSpPr>
+        <p:spPr>
+          <a:xfrm>
+            <a:off x="1717589" y="2879124"/>
+            <a:ext cx="7549979" cy="333633"/>
+          </a:xfrm>
+          <a:prstGeom prst="rect">
+            <a:avLst/>
+          </a:prstGeom>
+          <a:noFill/>
+          <a:ln>
+            <a:solidFill>
+              <a:srgbClr val="FF0000"/>
+            </a:solidFill>
+          </a:ln>
+        </p:spPr>
+        <p:style>
+          <a:lnRef idx="2">
+            <a:schemeClr val="accent1">
+              <a:shade val="50000"/>
+            </a:schemeClr>
+          </a:lnRef>
+          <a:fillRef idx="1">
+            <a:schemeClr val="accent1"/>
+          </a:fillRef>
+          <a:effectRef idx="0">
+            <a:schemeClr val="accent1"/>
+          </a:effectRef>
+          <a:fontRef idx="minor">
+            <a:schemeClr val="lt1"/>
+          </a:fontRef>
+        </p:style>
+        <p:txBody>
+          <a:bodyPr rtlCol="0" anchor="ctr"/>
+          <a:lstStyle/>
+          <a:p>
+            <a:pPr algn="ctr"/>
+            <a:endParaRPr lang="en-US"/>
+          </a:p>
+        </p:txBody>
+      </p:sp>
+      <p:cxnSp>
+        <p:nvCxnSpPr>
+          <p:cNvPr id="6" name="Straight Arrow Connector 5">
+            <a:extLst>
+              <a:ext uri="{FF2B5EF4-FFF2-40B4-BE49-F238E27FC236}">
+                <a16:creationId xmlns:a16="http://schemas.microsoft.com/office/drawing/2014/main" id="{1097CF40-2472-4A8A-862D-BEF92E31A7C8}"/>
+              </a:ext>
+            </a:extLst>
+          </p:cNvPr>
+          <p:cNvCxnSpPr/>
+          <p:nvPr/>
+        </p:nvCxnSpPr>
+        <p:spPr>
+          <a:xfrm flipH="1" flipV="1">
+            <a:off x="5474043" y="3212757"/>
+            <a:ext cx="1260389" cy="902043"/>
+          </a:xfrm>
+          <a:prstGeom prst="straightConnector1">
+            <a:avLst/>
+          </a:prstGeom>
+          <a:ln>
+            <a:tailEnd type="triangle"/>
+          </a:ln>
+        </p:spPr>
+        <p:style>
+          <a:lnRef idx="1">
+            <a:schemeClr val="accent1"/>
+          </a:lnRef>
+          <a:fillRef idx="0">
+            <a:schemeClr val="accent1"/>
+          </a:fillRef>
+          <a:effectRef idx="0">
+            <a:schemeClr val="accent1"/>
+          </a:effectRef>
+          <a:fontRef idx="minor">
+            <a:schemeClr val="tx1"/>
+          </a:fontRef>
+        </p:style>
+      </p:cxnSp>
+      <p:sp>
+        <p:nvSpPr>
+          <p:cNvPr id="8" name="TextBox 7">
+            <a:extLst>
+              <a:ext uri="{FF2B5EF4-FFF2-40B4-BE49-F238E27FC236}">
+                <a16:creationId xmlns:a16="http://schemas.microsoft.com/office/drawing/2014/main" id="{2D009ED1-3D0C-4F6E-A7BC-C679DC5BD46D}"/>
+              </a:ext>
+            </a:extLst>
+          </p:cNvPr>
+          <p:cNvSpPr txBox="1"/>
+          <p:nvPr/>
+        </p:nvSpPr>
+        <p:spPr>
+          <a:xfrm>
+            <a:off x="6450226" y="4114801"/>
+            <a:ext cx="3830595" cy="369332"/>
+          </a:xfrm>
+          <a:prstGeom prst="rect">
+            <a:avLst/>
+          </a:prstGeom>
+          <a:noFill/>
+        </p:spPr>
+        <p:txBody>
+          <a:bodyPr wrap="square" rtlCol="0">
+            <a:spAutoFit/>
+          </a:bodyPr>
+          <a:lstStyle/>
+          <a:p>
+            <a:r>
+              <a:rPr lang="en-US" dirty="0">
+                <a:solidFill>
+                  <a:srgbClr val="FF0000"/>
+                </a:solidFill>
+              </a:rPr>
+              <a:t>Check these services</a:t>
+            </a:r>
+          </a:p>
+        </p:txBody>
+      </p:sp>
+    </p:spTree>
+    <p:extLst>
+      <p:ext uri="{BB962C8B-B14F-4D97-AF65-F5344CB8AC3E}">
+        <p14:creationId xmlns:p14="http://schemas.microsoft.com/office/powerpoint/2010/main" val="595785791"/>
+      </p:ext>
+    </p:extLst>
+  </p:cSld>
+  <p:clrMapOvr>
+    <a:masterClrMapping/>
+  </p:clrMapOvr>
+  <p:timing>
+    <p:tnLst>
+      <p:par>
+        <p:cTn id="1" dur="indefinite" restart="never" nodeType="tmRoot">
+          <p:childTnLst>
+            <p:seq concurrent="1" nextAc="seek">
+              <p:cTn id="2" dur="indefinite" nodeType="mainSeq">
+                <p:childTnLst>
+                  <p:par>
+                    <p:cTn id="3" fill="hold">
+                      <p:stCondLst>
+                        <p:cond delay="indefinite"/>
+                      </p:stCondLst>
+                      <p:childTnLst>
+                        <p:par>
+                          <p:cTn id="4" fill="hold">
+                            <p:stCondLst>
+                              <p:cond delay="0"/>
+                            </p:stCondLst>
+                            <p:childTnLst>
+                              <p:par>
+                                <p:cTn id="5" presetID="1" presetClass="entr" presetSubtype="0" fill="hold" grpId="0" nodeType="clickEffect">
+                                  <p:stCondLst>
+                                    <p:cond delay="0"/>
+                                  </p:stCondLst>
+                                  <p:childTnLst>
+                                    <p:set>
+                                      <p:cBhvr>
+                                        <p:cTn id="6" dur="1" fill="hold">
+                                          <p:stCondLst>
+                                            <p:cond delay="0"/>
+                                          </p:stCondLst>
+                                        </p:cTn>
+                                        <p:tgtEl>
+                                          <p:spTgt spid="8"/>
+                                        </p:tgtEl>
+                                        <p:attrNameLst>
+                                          <p:attrName>style.visibility</p:attrName>
+                                        </p:attrNameLst>
+                                      </p:cBhvr>
+                                      <p:to>
+                                        <p:strVal val="visible"/>
+                                      </p:to>
+                                    </p:set>
+                                  </p:childTnLst>
+                                </p:cTn>
+                              </p:par>
+                              <p:par>
+                                <p:cTn id="7" presetID="1" presetClass="entr" presetSubtype="0" fill="hold" nodeType="withEffect">
+                                  <p:stCondLst>
+                                    <p:cond delay="0"/>
+                                  </p:stCondLst>
+                                  <p:childTnLst>
+                                    <p:set>
+                                      <p:cBhvr>
+                                        <p:cTn id="8" dur="1" fill="hold">
+                                          <p:stCondLst>
+                                            <p:cond delay="0"/>
+                                          </p:stCondLst>
+                                        </p:cTn>
+                                        <p:tgtEl>
+                                          <p:spTgt spid="6"/>
+                                        </p:tgtEl>
+                                        <p:attrNameLst>
+                                          <p:attrName>style.visibility</p:attrName>
+                                        </p:attrNameLst>
+                                      </p:cBhvr>
+                                      <p:to>
+                                        <p:strVal val="visible"/>
+                                      </p:to>
+                                    </p:set>
+                                  </p:childTnLst>
+                                </p:cTn>
+                              </p:par>
+                              <p:par>
+                                <p:cTn id="9" presetID="1" presetClass="entr" presetSubtype="0" fill="hold" grpId="0" nodeType="withEffect">
+                                  <p:stCondLst>
+                                    <p:cond delay="0"/>
+                                  </p:stCondLst>
+                                  <p:childTnLst>
+                                    <p:set>
+                                      <p:cBhvr>
+                                        <p:cTn id="10" dur="1" fill="hold">
+                                          <p:stCondLst>
+                                            <p:cond delay="0"/>
+                                          </p:stCondLst>
+                                        </p:cTn>
+                                        <p:tgtEl>
+                                          <p:spTgt spid="3"/>
+                                        </p:tgtEl>
+                                        <p:attrNameLst>
+                                          <p:attrName>style.visibility</p:attrName>
+                                        </p:attrNameLst>
+                                      </p:cBhvr>
+                                      <p:to>
+                                        <p:strVal val="visible"/>
+                                      </p:to>
+                                    </p:set>
+                                  </p:childTnLst>
+                                </p:cTn>
+                              </p:par>
+                            </p:childTnLst>
+                          </p:cTn>
+                        </p:par>
+                      </p:childTnLst>
+                    </p:cTn>
+                  </p:par>
+                </p:childTnLst>
+              </p:cTn>
+              <p:prevCondLst>
+                <p:cond evt="onPrev" delay="0">
+                  <p:tgtEl>
+                    <p:sldTgt/>
+                  </p:tgtEl>
+                </p:cond>
+              </p:prevCondLst>
+              <p:nextCondLst>
+                <p:cond evt="onNext" delay="0">
+                  <p:tgtEl>
+                    <p:sldTgt/>
+                  </p:tgtEl>
+                </p:cond>
+              </p:nextCondLst>
+            </p:seq>
+          </p:childTnLst>
+        </p:cTn>
+      </p:par>
+    </p:tnLst>
+    <p:bldLst>
+      <p:bldP spid="3" grpId="0" animBg="1"/>
+      <p:bldP spid="8" grpId="0"/>
+    </p:bldLst>
+  </p:timing>
+</p:sld>
+</file>
+
+<file path=ppt/slides/slide11.xml><?xml version="1.0" encoding="utf-8"?>
+<p:sld xmlns:a="http://schemas.openxmlformats.org/drawingml/2006/main" xmlns:r="http://schemas.openxmlformats.org/officeDocument/2006/relationships" xmlns:p="http://schemas.openxmlformats.org/presentationml/2006/main">
+  <p:cSld>
+    <p:spTree>
+      <p:nvGrpSpPr>
+        <p:cNvPr id="1" name=""/>
+        <p:cNvGrpSpPr/>
+        <p:nvPr/>
+      </p:nvGrpSpPr>
+      <p:grpSpPr>
+        <a:xfrm>
+          <a:off x="0" y="0"/>
+          <a:ext cx="0" cy="0"/>
+          <a:chOff x="0" y="0"/>
+          <a:chExt cx="0" cy="0"/>
+        </a:xfrm>
+      </p:grpSpPr>
+      <p:sp>
+        <p:nvSpPr>
+          <p:cNvPr id="2" name="Title 1">
+            <a:extLst>
+              <a:ext uri="{FF2B5EF4-FFF2-40B4-BE49-F238E27FC236}">
                 <a16:creationId xmlns:a16="http://schemas.microsoft.com/office/drawing/2014/main" id="{B42D7144-5AF1-4A66-8B77-B59418237A9D}"/>
               </a:ext>
             </a:extLst>
@@ -6405,7 +6759,11 @@
           <a:bodyPr/>
           <a:lstStyle/>
           <a:p>
-            <a:endParaRPr lang="en-US"/>
+            <a:pPr algn="ctr"/>
+            <a:r>
+              <a:rPr lang="en-US" dirty="0"/>
+              <a:t>OpenVAS Install (Cont.)</a:t>
+            </a:r>
           </a:p>
         </p:txBody>
       </p:sp>
@@ -6451,7 +6809,7 @@
 </p:sld>
 </file>
 
-<file path=ppt/slides/slide11.xml><?xml version="1.0" encoding="utf-8"?>
+<file path=ppt/slides/slide12.xml><?xml version="1.0" encoding="utf-8"?>
 <p:sld xmlns:a="http://schemas.openxmlformats.org/drawingml/2006/main" xmlns:r="http://schemas.openxmlformats.org/officeDocument/2006/relationships" xmlns:p="http://schemas.openxmlformats.org/presentationml/2006/main">
   <p:cSld>
     <p:spTree>
@@ -6489,7 +6847,11 @@
           <a:bodyPr/>
           <a:lstStyle/>
           <a:p>
-            <a:endParaRPr lang="en-US"/>
+            <a:pPr algn="ctr"/>
+            <a:r>
+              <a:rPr lang="en-US" dirty="0"/>
+              <a:t>OpenVAS Install (Cont.)</a:t>
+            </a:r>
           </a:p>
         </p:txBody>
       </p:sp>
@@ -6535,7 +6897,7 @@
 </p:sld>
 </file>
 
-<file path=ppt/slides/slide12.xml><?xml version="1.0" encoding="utf-8"?>
+<file path=ppt/slides/slide13.xml><?xml version="1.0" encoding="utf-8"?>
 <p:sld xmlns:a="http://schemas.openxmlformats.org/drawingml/2006/main" xmlns:r="http://schemas.openxmlformats.org/officeDocument/2006/relationships" xmlns:p="http://schemas.openxmlformats.org/presentationml/2006/main">
   <p:cSld>
     <p:spTree>
@@ -6647,7 +7009,7 @@
 </p:sld>
 </file>
 
-<file path=ppt/slides/slide13.xml><?xml version="1.0" encoding="utf-8"?>
+<file path=ppt/slides/slide14.xml><?xml version="1.0" encoding="utf-8"?>
 <p:sld xmlns:a="http://schemas.openxmlformats.org/drawingml/2006/main" xmlns:r="http://schemas.openxmlformats.org/officeDocument/2006/relationships" xmlns:p="http://schemas.openxmlformats.org/presentationml/2006/main">
   <p:cSld>
     <p:spTree>
@@ -6685,7 +7047,19 @@
           <a:bodyPr/>
           <a:lstStyle/>
           <a:p>
-            <a:endParaRPr lang="en-US"/>
+            <a:pPr algn="ctr"/>
+            <a:r>
+              <a:rPr lang="en-US" dirty="0"/>
+              <a:t>Update </a:t>
+            </a:r>
+            <a:r>
+              <a:rPr lang="en-US" dirty="0" err="1"/>
+              <a:t>gvm</a:t>
+            </a:r>
+            <a:r>
+              <a:rPr lang="en-US" dirty="0"/>
+              <a:t> feed</a:t>
+            </a:r>
           </a:p>
         </p:txBody>
       </p:sp>
@@ -6731,6 +7105,596 @@
 </p:sld>
 </file>
 
+<file path=ppt/slides/slide15.xml><?xml version="1.0" encoding="utf-8"?>
+<p:sld xmlns:a="http://schemas.openxmlformats.org/drawingml/2006/main" xmlns:r="http://schemas.openxmlformats.org/officeDocument/2006/relationships" xmlns:p="http://schemas.openxmlformats.org/presentationml/2006/main">
+  <p:cSld>
+    <p:spTree>
+      <p:nvGrpSpPr>
+        <p:cNvPr id="1" name=""/>
+        <p:cNvGrpSpPr/>
+        <p:nvPr/>
+      </p:nvGrpSpPr>
+      <p:grpSpPr>
+        <a:xfrm>
+          <a:off x="0" y="0"/>
+          <a:ext cx="0" cy="0"/>
+          <a:chOff x="0" y="0"/>
+          <a:chExt cx="0" cy="0"/>
+        </a:xfrm>
+      </p:grpSpPr>
+      <p:sp>
+        <p:nvSpPr>
+          <p:cNvPr id="4" name="Title 3">
+            <a:extLst>
+              <a:ext uri="{FF2B5EF4-FFF2-40B4-BE49-F238E27FC236}">
+                <a16:creationId xmlns:a16="http://schemas.microsoft.com/office/drawing/2014/main" id="{1600110F-ADAD-4676-9F85-31E9E22D2D3E}"/>
+              </a:ext>
+            </a:extLst>
+          </p:cNvPr>
+          <p:cNvSpPr>
+            <a:spLocks noGrp="1"/>
+          </p:cNvSpPr>
+          <p:nvPr>
+            <p:ph type="title"/>
+          </p:nvPr>
+        </p:nvSpPr>
+        <p:spPr/>
+        <p:txBody>
+          <a:bodyPr/>
+          <a:lstStyle/>
+          <a:p>
+            <a:pPr algn="ctr"/>
+            <a:r>
+              <a:rPr lang="en-US" dirty="0"/>
+              <a:t>Set Web </a:t>
+            </a:r>
+            <a:r>
+              <a:rPr lang="en-US"/>
+              <a:t>to listen on all ports</a:t>
+            </a:r>
+          </a:p>
+        </p:txBody>
+      </p:sp>
+      <p:sp>
+        <p:nvSpPr>
+          <p:cNvPr id="5" name="Content Placeholder 4">
+            <a:extLst>
+              <a:ext uri="{FF2B5EF4-FFF2-40B4-BE49-F238E27FC236}">
+                <a16:creationId xmlns:a16="http://schemas.microsoft.com/office/drawing/2014/main" id="{6C0E507A-1C14-40A3-AFF9-E73A81DC2A9D}"/>
+              </a:ext>
+            </a:extLst>
+          </p:cNvPr>
+          <p:cNvSpPr>
+            <a:spLocks noGrp="1"/>
+          </p:cNvSpPr>
+          <p:nvPr>
+            <p:ph sz="half" idx="1"/>
+          </p:nvPr>
+        </p:nvSpPr>
+        <p:spPr>
+          <a:xfrm>
+            <a:off x="1141412" y="2506117"/>
+            <a:ext cx="4805766" cy="3285084"/>
+          </a:xfrm>
+        </p:spPr>
+        <p:txBody>
+          <a:bodyPr>
+            <a:normAutofit/>
+          </a:bodyPr>
+          <a:lstStyle/>
+          <a:p>
+            <a:pPr marL="0" marR="0" lvl="0" indent="0" algn="l" defTabSz="914400" rtl="0" eaLnBrk="0" fontAlgn="base" latinLnBrk="0" hangingPunct="0">
+              <a:lnSpc>
+                <a:spcPct val="100000"/>
+              </a:lnSpc>
+              <a:spcBef>
+                <a:spcPct val="0"/>
+              </a:spcBef>
+              <a:spcAft>
+                <a:spcPct val="0"/>
+              </a:spcAft>
+              <a:buClrTx/>
+              <a:buSzTx/>
+              <a:buFontTx/>
+              <a:buAutoNum type="arabicPeriod"/>
+              <a:tabLst/>
+            </a:pPr>
+            <a:r>
+              <a:rPr kumimoji="0" lang="en-US" altLang="en-US" sz="2000" b="0" i="0" u="none" strike="noStrike" cap="none" normalizeH="0" baseline="0" dirty="0">
+                <a:ln>
+                  <a:noFill/>
+                </a:ln>
+                <a:solidFill>
+                  <a:srgbClr val="D4D4D4"/>
+                </a:solidFill>
+                <a:effectLst/>
+              </a:rPr>
+              <a:t> cd /lib/</a:t>
+            </a:r>
+            <a:r>
+              <a:rPr kumimoji="0" lang="en-US" altLang="en-US" sz="2000" b="0" i="0" u="none" strike="noStrike" cap="none" normalizeH="0" baseline="0" dirty="0" err="1">
+                <a:ln>
+                  <a:noFill/>
+                </a:ln>
+                <a:solidFill>
+                  <a:srgbClr val="D4D4D4"/>
+                </a:solidFill>
+                <a:effectLst/>
+              </a:rPr>
+              <a:t>systemd</a:t>
+            </a:r>
+            <a:r>
+              <a:rPr kumimoji="0" lang="en-US" altLang="en-US" sz="2000" b="0" i="0" u="none" strike="noStrike" cap="none" normalizeH="0" baseline="0" dirty="0">
+                <a:ln>
+                  <a:noFill/>
+                </a:ln>
+                <a:solidFill>
+                  <a:srgbClr val="D4D4D4"/>
+                </a:solidFill>
+                <a:effectLst/>
+              </a:rPr>
+              <a:t>/system</a:t>
+            </a:r>
+          </a:p>
+          <a:p>
+            <a:pPr marL="0" marR="0" lvl="0" indent="0" algn="l" defTabSz="914400" rtl="0" eaLnBrk="0" fontAlgn="base" latinLnBrk="0" hangingPunct="0">
+              <a:lnSpc>
+                <a:spcPct val="100000"/>
+              </a:lnSpc>
+              <a:spcBef>
+                <a:spcPct val="0"/>
+              </a:spcBef>
+              <a:spcAft>
+                <a:spcPct val="0"/>
+              </a:spcAft>
+              <a:buClrTx/>
+              <a:buSzTx/>
+              <a:buFontTx/>
+              <a:buAutoNum type="arabicPeriod"/>
+              <a:tabLst/>
+            </a:pPr>
+            <a:endParaRPr kumimoji="0" lang="en-US" altLang="en-US" sz="2000" b="0" i="0" u="none" strike="noStrike" cap="none" normalizeH="0" baseline="0" dirty="0">
+              <a:ln>
+                <a:noFill/>
+              </a:ln>
+              <a:solidFill>
+                <a:srgbClr val="D4D4D4"/>
+              </a:solidFill>
+              <a:effectLst/>
+            </a:endParaRPr>
+          </a:p>
+          <a:p>
+            <a:pPr marL="0" marR="0" lvl="0" indent="0" algn="l" defTabSz="914400" rtl="0" eaLnBrk="0" fontAlgn="base" latinLnBrk="0" hangingPunct="0">
+              <a:lnSpc>
+                <a:spcPct val="100000"/>
+              </a:lnSpc>
+              <a:spcBef>
+                <a:spcPct val="0"/>
+              </a:spcBef>
+              <a:spcAft>
+                <a:spcPct val="0"/>
+              </a:spcAft>
+              <a:buClrTx/>
+              <a:buSzTx/>
+              <a:buFontTx/>
+              <a:buAutoNum type="arabicPeriod" startAt="2"/>
+              <a:tabLst/>
+            </a:pPr>
+            <a:r>
+              <a:rPr kumimoji="0" lang="en-US" altLang="en-US" sz="2000" b="0" i="0" u="none" strike="noStrike" cap="none" normalizeH="0" baseline="0" dirty="0">
+                <a:ln>
+                  <a:noFill/>
+                </a:ln>
+                <a:solidFill>
+                  <a:srgbClr val="D4D4D4"/>
+                </a:solidFill>
+                <a:effectLst/>
+              </a:rPr>
+              <a:t> vi </a:t>
+            </a:r>
+            <a:r>
+              <a:rPr kumimoji="0" lang="en-US" altLang="en-US" sz="2000" b="0" i="0" u="none" strike="noStrike" cap="none" normalizeH="0" baseline="0" dirty="0" err="1">
+                <a:ln>
+                  <a:noFill/>
+                </a:ln>
+                <a:solidFill>
+                  <a:srgbClr val="D4D4D4"/>
+                </a:solidFill>
+                <a:effectLst/>
+              </a:rPr>
+              <a:t>greenbone</a:t>
+            </a:r>
+            <a:r>
+              <a:rPr kumimoji="0" lang="en-US" altLang="en-US" sz="2000" b="0" i="0" u="none" strike="noStrike" cap="none" normalizeH="0" baseline="0" dirty="0">
+                <a:ln>
+                  <a:noFill/>
+                </a:ln>
+                <a:solidFill>
+                  <a:srgbClr val="D4D4D4"/>
+                </a:solidFill>
+                <a:effectLst/>
+              </a:rPr>
+              <a:t>-security-</a:t>
+            </a:r>
+            <a:r>
+              <a:rPr kumimoji="0" lang="en-US" altLang="en-US" sz="2000" b="0" i="0" u="none" strike="noStrike" cap="none" normalizeH="0" baseline="0" dirty="0" err="1">
+                <a:ln>
+                  <a:noFill/>
+                </a:ln>
+                <a:solidFill>
+                  <a:srgbClr val="D4D4D4"/>
+                </a:solidFill>
+                <a:effectLst/>
+              </a:rPr>
+              <a:t>assistant.service</a:t>
+            </a:r>
+            <a:endParaRPr kumimoji="0" lang="en-US" altLang="en-US" sz="2000" b="0" i="0" u="none" strike="noStrike" cap="none" normalizeH="0" baseline="0" dirty="0">
+              <a:ln>
+                <a:noFill/>
+              </a:ln>
+              <a:solidFill>
+                <a:srgbClr val="D4D4D4"/>
+              </a:solidFill>
+              <a:effectLst/>
+            </a:endParaRPr>
+          </a:p>
+          <a:p>
+            <a:pPr marL="0" marR="0" lvl="0" indent="0" algn="l" defTabSz="914400" rtl="0" eaLnBrk="0" fontAlgn="base" latinLnBrk="0" hangingPunct="0">
+              <a:lnSpc>
+                <a:spcPct val="100000"/>
+              </a:lnSpc>
+              <a:spcBef>
+                <a:spcPct val="0"/>
+              </a:spcBef>
+              <a:spcAft>
+                <a:spcPct val="0"/>
+              </a:spcAft>
+              <a:buClrTx/>
+              <a:buSzTx/>
+              <a:buFontTx/>
+              <a:buAutoNum type="arabicPeriod" startAt="2"/>
+              <a:tabLst/>
+            </a:pPr>
+            <a:endParaRPr kumimoji="0" lang="en-US" altLang="en-US" sz="2000" b="0" i="0" u="none" strike="noStrike" cap="none" normalizeH="0" baseline="0" dirty="0">
+              <a:ln>
+                <a:noFill/>
+              </a:ln>
+              <a:solidFill>
+                <a:srgbClr val="D4D4D4"/>
+              </a:solidFill>
+              <a:effectLst/>
+            </a:endParaRPr>
+          </a:p>
+          <a:p>
+            <a:pPr marL="0" marR="0" lvl="0" indent="0" algn="l" defTabSz="914400" rtl="0" eaLnBrk="0" fontAlgn="base" latinLnBrk="0" hangingPunct="0">
+              <a:lnSpc>
+                <a:spcPct val="100000"/>
+              </a:lnSpc>
+              <a:spcBef>
+                <a:spcPct val="0"/>
+              </a:spcBef>
+              <a:spcAft>
+                <a:spcPct val="0"/>
+              </a:spcAft>
+              <a:buClrTx/>
+              <a:buSzTx/>
+              <a:buFontTx/>
+              <a:buAutoNum type="arabicPeriod" startAt="3"/>
+              <a:tabLst/>
+            </a:pPr>
+            <a:r>
+              <a:rPr kumimoji="0" lang="en-US" altLang="en-US" sz="2000" b="0" i="0" u="none" strike="noStrike" cap="none" normalizeH="0" baseline="0" dirty="0">
+                <a:ln>
+                  <a:noFill/>
+                </a:ln>
+                <a:solidFill>
+                  <a:srgbClr val="D4D4D4"/>
+                </a:solidFill>
+                <a:effectLst/>
+              </a:rPr>
+              <a:t> Change 127.0.0.1 to 0.0.0.0</a:t>
+            </a:r>
+          </a:p>
+        </p:txBody>
+      </p:sp>
+      <p:pic>
+        <p:nvPicPr>
+          <p:cNvPr id="8" name="Content Placeholder 7">
+            <a:extLst>
+              <a:ext uri="{FF2B5EF4-FFF2-40B4-BE49-F238E27FC236}">
+                <a16:creationId xmlns:a16="http://schemas.microsoft.com/office/drawing/2014/main" id="{A66305A8-6C5B-4552-87D1-7B19A3B2C63F}"/>
+              </a:ext>
+            </a:extLst>
+          </p:cNvPr>
+          <p:cNvPicPr>
+            <a:picLocks noGrp="1" noChangeAspect="1"/>
+          </p:cNvPicPr>
+          <p:nvPr>
+            <p:ph sz="half" idx="2"/>
+          </p:nvPr>
+        </p:nvPicPr>
+        <p:blipFill>
+          <a:blip r:embed="rId2"/>
+          <a:stretch>
+            <a:fillRect/>
+          </a:stretch>
+        </p:blipFill>
+        <p:spPr>
+          <a:xfrm>
+            <a:off x="5947179" y="2514600"/>
+            <a:ext cx="5100231" cy="3285084"/>
+          </a:xfrm>
+        </p:spPr>
+      </p:pic>
+    </p:spTree>
+    <p:extLst>
+      <p:ext uri="{BB962C8B-B14F-4D97-AF65-F5344CB8AC3E}">
+        <p14:creationId xmlns:p14="http://schemas.microsoft.com/office/powerpoint/2010/main" val="3324602463"/>
+      </p:ext>
+    </p:extLst>
+  </p:cSld>
+  <p:clrMapOvr>
+    <a:masterClrMapping/>
+  </p:clrMapOvr>
+</p:sld>
+</file>
+
+<file path=ppt/slides/slide16.xml><?xml version="1.0" encoding="utf-8"?>
+<p:sld xmlns:a="http://schemas.openxmlformats.org/drawingml/2006/main" xmlns:r="http://schemas.openxmlformats.org/officeDocument/2006/relationships" xmlns:p="http://schemas.openxmlformats.org/presentationml/2006/main">
+  <p:cSld>
+    <p:spTree>
+      <p:nvGrpSpPr>
+        <p:cNvPr id="1" name=""/>
+        <p:cNvGrpSpPr/>
+        <p:nvPr/>
+      </p:nvGrpSpPr>
+      <p:grpSpPr>
+        <a:xfrm>
+          <a:off x="0" y="0"/>
+          <a:ext cx="0" cy="0"/>
+          <a:chOff x="0" y="0"/>
+          <a:chExt cx="0" cy="0"/>
+        </a:xfrm>
+      </p:grpSpPr>
+      <p:sp>
+        <p:nvSpPr>
+          <p:cNvPr id="2" name="Title 1">
+            <a:extLst>
+              <a:ext uri="{FF2B5EF4-FFF2-40B4-BE49-F238E27FC236}">
+                <a16:creationId xmlns:a16="http://schemas.microsoft.com/office/drawing/2014/main" id="{2F8765EC-35E9-441D-8A9F-5A75995558DA}"/>
+              </a:ext>
+            </a:extLst>
+          </p:cNvPr>
+          <p:cNvSpPr>
+            <a:spLocks noGrp="1"/>
+          </p:cNvSpPr>
+          <p:nvPr>
+            <p:ph type="title"/>
+          </p:nvPr>
+        </p:nvSpPr>
+        <p:spPr/>
+        <p:txBody>
+          <a:bodyPr/>
+          <a:lstStyle/>
+          <a:p>
+            <a:pPr algn="ctr"/>
+            <a:r>
+              <a:rPr lang="en-US" dirty="0"/>
+              <a:t>References</a:t>
+            </a:r>
+          </a:p>
+        </p:txBody>
+      </p:sp>
+      <p:sp>
+        <p:nvSpPr>
+          <p:cNvPr id="3" name="Content Placeholder 2">
+            <a:extLst>
+              <a:ext uri="{FF2B5EF4-FFF2-40B4-BE49-F238E27FC236}">
+                <a16:creationId xmlns:a16="http://schemas.microsoft.com/office/drawing/2014/main" id="{AEE87016-6DD3-481B-A57B-6033D5B2E836}"/>
+              </a:ext>
+            </a:extLst>
+          </p:cNvPr>
+          <p:cNvSpPr>
+            <a:spLocks noGrp="1"/>
+          </p:cNvSpPr>
+          <p:nvPr>
+            <p:ph sz="half" idx="1"/>
+          </p:nvPr>
+        </p:nvSpPr>
+        <p:spPr>
+          <a:xfrm>
+            <a:off x="1141411" y="2666999"/>
+            <a:ext cx="9905997" cy="3124201"/>
+          </a:xfrm>
+        </p:spPr>
+        <p:txBody>
+          <a:bodyPr/>
+          <a:lstStyle/>
+          <a:p>
+            <a:r>
+              <a:rPr lang="en-US" b="0" dirty="0">
+                <a:solidFill>
+                  <a:srgbClr val="6796E6"/>
+                </a:solidFill>
+                <a:effectLst/>
+                <a:latin typeface="Consolas" panose="020B0609020204030204" pitchFamily="49" charset="0"/>
+              </a:rPr>
+              <a:t>1.</a:t>
+            </a:r>
+            <a:r>
+              <a:rPr lang="en-US" b="0" dirty="0">
+                <a:solidFill>
+                  <a:srgbClr val="D4D4D4"/>
+                </a:solidFill>
+                <a:effectLst/>
+                <a:latin typeface="Consolas" panose="020B0609020204030204" pitchFamily="49" charset="0"/>
+              </a:rPr>
+              <a:t> </a:t>
+            </a:r>
+            <a:r>
+              <a:rPr lang="en-US" b="0" dirty="0">
+                <a:solidFill>
+                  <a:srgbClr val="CE9178"/>
+                </a:solidFill>
+                <a:effectLst/>
+                <a:latin typeface="Consolas" panose="020B0609020204030204" pitchFamily="49" charset="0"/>
+              </a:rPr>
+              <a:t>Online Admin Manual</a:t>
+            </a:r>
+            <a:r>
+              <a:rPr lang="en-US" dirty="0">
+                <a:solidFill>
+                  <a:srgbClr val="D4D4D4"/>
+                </a:solidFill>
+                <a:effectLst/>
+                <a:latin typeface="Consolas" panose="020B0609020204030204" pitchFamily="49" charset="0"/>
+              </a:rPr>
+              <a:t> - </a:t>
+            </a:r>
+            <a:r>
+              <a:rPr lang="en-US" b="0" u="sng" dirty="0">
+                <a:solidFill>
+                  <a:srgbClr val="D4D4D4"/>
+                </a:solidFill>
+                <a:effectLst/>
+                <a:latin typeface="Consolas" panose="020B0609020204030204" pitchFamily="49" charset="0"/>
+              </a:rPr>
+              <a:t>https://docs.greenbone.net/GSM-Manual/gos-6/en/introduction.html</a:t>
+            </a:r>
+            <a:endParaRPr lang="en-US" b="0" dirty="0">
+              <a:solidFill>
+                <a:srgbClr val="D4D4D4"/>
+              </a:solidFill>
+              <a:effectLst/>
+              <a:latin typeface="Consolas" panose="020B0609020204030204" pitchFamily="49" charset="0"/>
+            </a:endParaRPr>
+          </a:p>
+          <a:p>
+            <a:r>
+              <a:rPr lang="en-US" b="0" dirty="0">
+                <a:solidFill>
+                  <a:srgbClr val="6796E6"/>
+                </a:solidFill>
+                <a:effectLst/>
+                <a:latin typeface="Consolas" panose="020B0609020204030204" pitchFamily="49" charset="0"/>
+              </a:rPr>
+              <a:t>2.</a:t>
+            </a:r>
+            <a:r>
+              <a:rPr lang="en-US" b="0" dirty="0">
+                <a:solidFill>
+                  <a:srgbClr val="D4D4D4"/>
+                </a:solidFill>
+                <a:effectLst/>
+                <a:latin typeface="Consolas" panose="020B0609020204030204" pitchFamily="49" charset="0"/>
+              </a:rPr>
+              <a:t> </a:t>
+            </a:r>
+            <a:r>
+              <a:rPr lang="en-US" b="0" dirty="0">
+                <a:solidFill>
+                  <a:srgbClr val="CE9178"/>
+                </a:solidFill>
+                <a:effectLst/>
+                <a:latin typeface="Consolas" panose="020B0609020204030204" pitchFamily="49" charset="0"/>
+              </a:rPr>
+              <a:t>Kali Documentation</a:t>
+            </a:r>
+            <a:r>
+              <a:rPr lang="en-US" dirty="0">
+                <a:solidFill>
+                  <a:srgbClr val="D4D4D4"/>
+                </a:solidFill>
+                <a:effectLst/>
+                <a:latin typeface="Consolas" panose="020B0609020204030204" pitchFamily="49" charset="0"/>
+              </a:rPr>
+              <a:t> - </a:t>
+            </a:r>
+            <a:r>
+              <a:rPr lang="en-US" b="0" u="sng" dirty="0">
+                <a:solidFill>
+                  <a:srgbClr val="D4D4D4"/>
+                </a:solidFill>
+                <a:effectLst/>
+                <a:latin typeface="Consolas" panose="020B0609020204030204" pitchFamily="49" charset="0"/>
+              </a:rPr>
+              <a:t>https://tools.kali.org/vulnerability-analysis/openvas</a:t>
+            </a:r>
+            <a:r>
+              <a:rPr lang="en-US" b="0" dirty="0">
+                <a:solidFill>
+                  <a:srgbClr val="D4D4D4"/>
+                </a:solidFill>
+                <a:effectLst/>
+                <a:latin typeface="Consolas" panose="020B0609020204030204" pitchFamily="49" charset="0"/>
+              </a:rPr>
+              <a:t> </a:t>
+            </a:r>
+          </a:p>
+          <a:p>
+            <a:r>
+              <a:rPr lang="en-US" b="0" dirty="0">
+                <a:solidFill>
+                  <a:srgbClr val="6796E6"/>
+                </a:solidFill>
+                <a:effectLst/>
+                <a:latin typeface="Consolas" panose="020B0609020204030204" pitchFamily="49" charset="0"/>
+              </a:rPr>
+              <a:t>3.</a:t>
+            </a:r>
+            <a:r>
+              <a:rPr lang="en-US" b="0" dirty="0">
+                <a:solidFill>
+                  <a:srgbClr val="D4D4D4"/>
+                </a:solidFill>
+                <a:effectLst/>
+                <a:latin typeface="Consolas" panose="020B0609020204030204" pitchFamily="49" charset="0"/>
+              </a:rPr>
+              <a:t> </a:t>
+            </a:r>
+            <a:r>
+              <a:rPr lang="en-US" b="0" dirty="0">
+                <a:solidFill>
+                  <a:srgbClr val="CE9178"/>
+                </a:solidFill>
+                <a:effectLst/>
+                <a:latin typeface="Consolas" panose="020B0609020204030204" pitchFamily="49" charset="0"/>
+              </a:rPr>
+              <a:t>Kali Blog - </a:t>
+            </a:r>
+            <a:r>
+              <a:rPr lang="en-US" b="0" u="sng" dirty="0">
+                <a:solidFill>
+                  <a:srgbClr val="D4D4D4"/>
+                </a:solidFill>
+                <a:effectLst/>
+                <a:latin typeface="Consolas" panose="020B0609020204030204" pitchFamily="49" charset="0"/>
+              </a:rPr>
+              <a:t>https://www.kali.org/blog/configuring-and-tuning-openvas-in-kali-linux/</a:t>
+            </a:r>
+            <a:endParaRPr lang="en-US" b="0" dirty="0">
+              <a:solidFill>
+                <a:srgbClr val="D4D4D4"/>
+              </a:solidFill>
+              <a:effectLst/>
+              <a:latin typeface="Consolas" panose="020B0609020204030204" pitchFamily="49" charset="0"/>
+            </a:endParaRPr>
+          </a:p>
+        </p:txBody>
+      </p:sp>
+    </p:spTree>
+    <p:extLst>
+      <p:ext uri="{BB962C8B-B14F-4D97-AF65-F5344CB8AC3E}">
+        <p14:creationId xmlns:p14="http://schemas.microsoft.com/office/powerpoint/2010/main" val="3431049569"/>
+      </p:ext>
+    </p:extLst>
+  </p:cSld>
+  <p:clrMapOvr>
+    <a:masterClrMapping/>
+  </p:clrMapOvr>
+</p:sld>
+</file>
+
 <file path=ppt/slides/slide2.xml><?xml version="1.0" encoding="utf-8"?>
 <p:sld xmlns:a="http://schemas.openxmlformats.org/drawingml/2006/main" xmlns:r="http://schemas.openxmlformats.org/officeDocument/2006/relationships" xmlns:p="http://schemas.openxmlformats.org/presentationml/2006/main">
   <p:cSld>
@@ -6817,15 +7781,7 @@
           <a:p>
             <a:r>
               <a:rPr lang="en-US" dirty="0"/>
-              <a:t>Now team </a:t>
-            </a:r>
-            <a:r>
-              <a:rPr lang="en-US"/>
-              <a:t>expert for Windows </a:t>
-            </a:r>
-            <a:r>
-              <a:rPr lang="en-US" dirty="0"/>
-              <a:t>and PowerShell </a:t>
+              <a:t>Now team expert for Windows and PowerShell </a:t>
             </a:r>
           </a:p>
           <a:p>
@@ -6850,7 +7806,7 @@
 </file>
 
 <file path=ppt/slides/slide3.xml><?xml version="1.0" encoding="utf-8"?>
-<p:sld xmlns:a="http://schemas.openxmlformats.org/drawingml/2006/main" xmlns:r="http://schemas.openxmlformats.org/officeDocument/2006/relationships" xmlns:p="http://schemas.openxmlformats.org/presentationml/2006/main">
+<p:sld xmlns:a="http://schemas.openxmlformats.org/drawingml/2006/main" xmlns:r="http://schemas.openxmlformats.org/officeDocument/2006/relationships" xmlns:p="http://schemas.openxmlformats.org/presentationml/2006/main" show="0">
   <p:cSld>
     <p:spTree>
       <p:nvGrpSpPr>
@@ -6887,7 +7843,11 @@
           <a:bodyPr/>
           <a:lstStyle/>
           <a:p>
-            <a:endParaRPr lang="en-US"/>
+            <a:pPr algn="ctr"/>
+            <a:r>
+              <a:rPr lang="en-US" dirty="0"/>
+              <a:t>OpenVAS Install</a:t>
+            </a:r>
           </a:p>
         </p:txBody>
       </p:sp>
@@ -6955,6 +7915,100 @@
           <p:cNvPr id="2" name="Title 1">
             <a:extLst>
               <a:ext uri="{FF2B5EF4-FFF2-40B4-BE49-F238E27FC236}">
+                <a16:creationId xmlns:a16="http://schemas.microsoft.com/office/drawing/2014/main" id="{8215F48F-57A5-40C8-8F28-453C9965417F}"/>
+              </a:ext>
+            </a:extLst>
+          </p:cNvPr>
+          <p:cNvSpPr>
+            <a:spLocks noGrp="1"/>
+          </p:cNvSpPr>
+          <p:nvPr>
+            <p:ph type="title"/>
+          </p:nvPr>
+        </p:nvSpPr>
+        <p:spPr/>
+        <p:txBody>
+          <a:bodyPr/>
+          <a:lstStyle/>
+          <a:p>
+            <a:pPr algn="ctr"/>
+            <a:r>
+              <a:rPr lang="en-US" dirty="0"/>
+              <a:t>Topology Overview</a:t>
+            </a:r>
+          </a:p>
+        </p:txBody>
+      </p:sp>
+      <p:pic>
+        <p:nvPicPr>
+          <p:cNvPr id="5" name="Content Placeholder 4" descr="Diagram&#10;&#10;Description automatically generated">
+            <a:extLst>
+              <a:ext uri="{FF2B5EF4-FFF2-40B4-BE49-F238E27FC236}">
+                <a16:creationId xmlns:a16="http://schemas.microsoft.com/office/drawing/2014/main" id="{90E3DCFF-6720-4875-AB72-4A18509827FE}"/>
+              </a:ext>
+            </a:extLst>
+          </p:cNvPr>
+          <p:cNvPicPr>
+            <a:picLocks noGrp="1" noChangeAspect="1"/>
+          </p:cNvPicPr>
+          <p:nvPr>
+            <p:ph idx="1"/>
+          </p:nvPr>
+        </p:nvPicPr>
+        <p:blipFill>
+          <a:blip r:embed="rId2">
+            <a:extLst>
+              <a:ext uri="{28A0092B-C50C-407E-A947-70E740481C1C}">
+                <a14:useLocalDpi xmlns:a14="http://schemas.microsoft.com/office/drawing/2010/main" val="0"/>
+              </a:ext>
+            </a:extLst>
+          </a:blip>
+          <a:stretch>
+            <a:fillRect/>
+          </a:stretch>
+        </p:blipFill>
+        <p:spPr>
+          <a:xfrm>
+            <a:off x="2037721" y="1841157"/>
+            <a:ext cx="8107175" cy="4772230"/>
+          </a:xfrm>
+        </p:spPr>
+      </p:pic>
+    </p:spTree>
+    <p:extLst>
+      <p:ext uri="{BB962C8B-B14F-4D97-AF65-F5344CB8AC3E}">
+        <p14:creationId xmlns:p14="http://schemas.microsoft.com/office/powerpoint/2010/main" val="437849487"/>
+      </p:ext>
+    </p:extLst>
+  </p:cSld>
+  <p:clrMapOvr>
+    <a:masterClrMapping/>
+  </p:clrMapOvr>
+</p:sld>
+</file>
+
+<file path=ppt/slides/slide5.xml><?xml version="1.0" encoding="utf-8"?>
+<p:sld xmlns:a="http://schemas.openxmlformats.org/drawingml/2006/main" xmlns:r="http://schemas.openxmlformats.org/officeDocument/2006/relationships" xmlns:p="http://schemas.openxmlformats.org/presentationml/2006/main">
+  <p:cSld>
+    <p:spTree>
+      <p:nvGrpSpPr>
+        <p:cNvPr id="1" name=""/>
+        <p:cNvGrpSpPr/>
+        <p:nvPr/>
+      </p:nvGrpSpPr>
+      <p:grpSpPr>
+        <a:xfrm>
+          <a:off x="0" y="0"/>
+          <a:ext cx="0" cy="0"/>
+          <a:chOff x="0" y="0"/>
+          <a:chExt cx="0" cy="0"/>
+        </a:xfrm>
+      </p:grpSpPr>
+      <p:sp>
+        <p:nvSpPr>
+          <p:cNvPr id="2" name="Title 1">
+            <a:extLst>
+              <a:ext uri="{FF2B5EF4-FFF2-40B4-BE49-F238E27FC236}">
                 <a16:creationId xmlns:a16="http://schemas.microsoft.com/office/drawing/2014/main" id="{28A5F2DB-12F2-409A-B943-EB5B08EADBD1}"/>
               </a:ext>
             </a:extLst>
@@ -6971,7 +8025,11 @@
           <a:bodyPr/>
           <a:lstStyle/>
           <a:p>
-            <a:endParaRPr lang="en-US"/>
+            <a:pPr algn="ctr"/>
+            <a:r>
+              <a:rPr lang="en-US" dirty="0"/>
+              <a:t>OpenVAS Install</a:t>
+            </a:r>
           </a:p>
         </p:txBody>
       </p:sp>
@@ -7017,7 +8075,7 @@
 </p:sld>
 </file>
 
-<file path=ppt/slides/slide5.xml><?xml version="1.0" encoding="utf-8"?>
+<file path=ppt/slides/slide6.xml><?xml version="1.0" encoding="utf-8"?>
 <p:sld xmlns:a="http://schemas.openxmlformats.org/drawingml/2006/main" xmlns:r="http://schemas.openxmlformats.org/officeDocument/2006/relationships" xmlns:p="http://schemas.openxmlformats.org/presentationml/2006/main">
   <p:cSld>
     <p:spTree>
@@ -7055,7 +8113,11 @@
           <a:bodyPr/>
           <a:lstStyle/>
           <a:p>
-            <a:endParaRPr lang="en-US"/>
+            <a:pPr algn="ctr"/>
+            <a:r>
+              <a:rPr lang="en-US" dirty="0"/>
+              <a:t>OpenVAS Install (Cont.)</a:t>
+            </a:r>
           </a:p>
         </p:txBody>
       </p:sp>
@@ -7127,90 +8189,6 @@
 </p:sld>
 </file>
 
-<file path=ppt/slides/slide6.xml><?xml version="1.0" encoding="utf-8"?>
-<p:sld xmlns:a="http://schemas.openxmlformats.org/drawingml/2006/main" xmlns:r="http://schemas.openxmlformats.org/officeDocument/2006/relationships" xmlns:p="http://schemas.openxmlformats.org/presentationml/2006/main">
-  <p:cSld>
-    <p:spTree>
-      <p:nvGrpSpPr>
-        <p:cNvPr id="1" name=""/>
-        <p:cNvGrpSpPr/>
-        <p:nvPr/>
-      </p:nvGrpSpPr>
-      <p:grpSpPr>
-        <a:xfrm>
-          <a:off x="0" y="0"/>
-          <a:ext cx="0" cy="0"/>
-          <a:chOff x="0" y="0"/>
-          <a:chExt cx="0" cy="0"/>
-        </a:xfrm>
-      </p:grpSpPr>
-      <p:sp>
-        <p:nvSpPr>
-          <p:cNvPr id="2" name="Title 1">
-            <a:extLst>
-              <a:ext uri="{FF2B5EF4-FFF2-40B4-BE49-F238E27FC236}">
-                <a16:creationId xmlns:a16="http://schemas.microsoft.com/office/drawing/2014/main" id="{ACCFA2ED-E37B-4CB8-BA5E-537373C5AF58}"/>
-              </a:ext>
-            </a:extLst>
-          </p:cNvPr>
-          <p:cNvSpPr>
-            <a:spLocks noGrp="1"/>
-          </p:cNvSpPr>
-          <p:nvPr>
-            <p:ph type="title"/>
-          </p:nvPr>
-        </p:nvSpPr>
-        <p:spPr/>
-        <p:txBody>
-          <a:bodyPr/>
-          <a:lstStyle/>
-          <a:p>
-            <a:endParaRPr lang="en-US"/>
-          </a:p>
-        </p:txBody>
-      </p:sp>
-      <p:pic>
-        <p:nvPicPr>
-          <p:cNvPr id="5" name="Content Placeholder 4">
-            <a:extLst>
-              <a:ext uri="{FF2B5EF4-FFF2-40B4-BE49-F238E27FC236}">
-                <a16:creationId xmlns:a16="http://schemas.microsoft.com/office/drawing/2014/main" id="{DA8C32C6-B702-45C3-B5B1-7AF775A0C518}"/>
-              </a:ext>
-            </a:extLst>
-          </p:cNvPr>
-          <p:cNvPicPr>
-            <a:picLocks noGrp="1" noChangeAspect="1"/>
-          </p:cNvPicPr>
-          <p:nvPr>
-            <p:ph idx="1"/>
-          </p:nvPr>
-        </p:nvPicPr>
-        <p:blipFill>
-          <a:blip r:embed="rId2"/>
-          <a:stretch>
-            <a:fillRect/>
-          </a:stretch>
-        </p:blipFill>
-        <p:spPr>
-          <a:xfrm>
-            <a:off x="1141413" y="2508421"/>
-            <a:ext cx="9905998" cy="2827105"/>
-          </a:xfrm>
-        </p:spPr>
-      </p:pic>
-    </p:spTree>
-    <p:extLst>
-      <p:ext uri="{BB962C8B-B14F-4D97-AF65-F5344CB8AC3E}">
-        <p14:creationId xmlns:p14="http://schemas.microsoft.com/office/powerpoint/2010/main" val="505403687"/>
-      </p:ext>
-    </p:extLst>
-  </p:cSld>
-  <p:clrMapOvr>
-    <a:masterClrMapping/>
-  </p:clrMapOvr>
-</p:sld>
-</file>
-
 <file path=ppt/slides/slide7.xml><?xml version="1.0" encoding="utf-8"?>
 <p:sld xmlns:a="http://schemas.openxmlformats.org/drawingml/2006/main" xmlns:r="http://schemas.openxmlformats.org/officeDocument/2006/relationships" xmlns:p="http://schemas.openxmlformats.org/presentationml/2006/main">
   <p:cSld>
@@ -7233,6 +8211,376 @@
           <p:cNvPr id="2" name="Title 1">
             <a:extLst>
               <a:ext uri="{FF2B5EF4-FFF2-40B4-BE49-F238E27FC236}">
+                <a16:creationId xmlns:a16="http://schemas.microsoft.com/office/drawing/2014/main" id="{ACCFA2ED-E37B-4CB8-BA5E-537373C5AF58}"/>
+              </a:ext>
+            </a:extLst>
+          </p:cNvPr>
+          <p:cNvSpPr>
+            <a:spLocks noGrp="1"/>
+          </p:cNvSpPr>
+          <p:nvPr>
+            <p:ph type="title"/>
+          </p:nvPr>
+        </p:nvSpPr>
+        <p:spPr/>
+        <p:txBody>
+          <a:bodyPr/>
+          <a:lstStyle/>
+          <a:p>
+            <a:pPr algn="ctr"/>
+            <a:r>
+              <a:rPr lang="en-US" dirty="0"/>
+              <a:t>OpenVAS Install (Cont.)</a:t>
+            </a:r>
+          </a:p>
+        </p:txBody>
+      </p:sp>
+      <p:pic>
+        <p:nvPicPr>
+          <p:cNvPr id="5" name="Content Placeholder 4">
+            <a:extLst>
+              <a:ext uri="{FF2B5EF4-FFF2-40B4-BE49-F238E27FC236}">
+                <a16:creationId xmlns:a16="http://schemas.microsoft.com/office/drawing/2014/main" id="{DA8C32C6-B702-45C3-B5B1-7AF775A0C518}"/>
+              </a:ext>
+            </a:extLst>
+          </p:cNvPr>
+          <p:cNvPicPr>
+            <a:picLocks noGrp="1" noChangeAspect="1"/>
+          </p:cNvPicPr>
+          <p:nvPr>
+            <p:ph idx="1"/>
+          </p:nvPr>
+        </p:nvPicPr>
+        <p:blipFill>
+          <a:blip r:embed="rId2"/>
+          <a:stretch>
+            <a:fillRect/>
+          </a:stretch>
+        </p:blipFill>
+        <p:spPr>
+          <a:xfrm>
+            <a:off x="1141413" y="2508421"/>
+            <a:ext cx="9905998" cy="2827105"/>
+          </a:xfrm>
+        </p:spPr>
+      </p:pic>
+      <p:sp>
+        <p:nvSpPr>
+          <p:cNvPr id="3" name="Rectangle 2">
+            <a:extLst>
+              <a:ext uri="{FF2B5EF4-FFF2-40B4-BE49-F238E27FC236}">
+                <a16:creationId xmlns:a16="http://schemas.microsoft.com/office/drawing/2014/main" id="{D7DDD8AB-3604-4EE2-99AF-4226A0D63564}"/>
+              </a:ext>
+            </a:extLst>
+          </p:cNvPr>
+          <p:cNvSpPr/>
+          <p:nvPr/>
+        </p:nvSpPr>
+        <p:spPr>
+          <a:xfrm>
+            <a:off x="2953265" y="4559643"/>
+            <a:ext cx="716692" cy="395416"/>
+          </a:xfrm>
+          <a:prstGeom prst="rect">
+            <a:avLst/>
+          </a:prstGeom>
+          <a:noFill/>
+          <a:ln>
+            <a:solidFill>
+              <a:srgbClr val="FF0000"/>
+            </a:solidFill>
+          </a:ln>
+        </p:spPr>
+        <p:style>
+          <a:lnRef idx="2">
+            <a:schemeClr val="accent1">
+              <a:shade val="50000"/>
+            </a:schemeClr>
+          </a:lnRef>
+          <a:fillRef idx="1">
+            <a:schemeClr val="accent1"/>
+          </a:fillRef>
+          <a:effectRef idx="0">
+            <a:schemeClr val="accent1"/>
+          </a:effectRef>
+          <a:fontRef idx="minor">
+            <a:schemeClr val="lt1"/>
+          </a:fontRef>
+        </p:style>
+        <p:txBody>
+          <a:bodyPr rtlCol="0" anchor="ctr"/>
+          <a:lstStyle/>
+          <a:p>
+            <a:pPr algn="ctr"/>
+            <a:endParaRPr lang="en-US"/>
+          </a:p>
+        </p:txBody>
+      </p:sp>
+      <p:cxnSp>
+        <p:nvCxnSpPr>
+          <p:cNvPr id="8" name="Straight Arrow Connector 7">
+            <a:extLst>
+              <a:ext uri="{FF2B5EF4-FFF2-40B4-BE49-F238E27FC236}">
+                <a16:creationId xmlns:a16="http://schemas.microsoft.com/office/drawing/2014/main" id="{FC817E31-E2E8-4225-8412-EB116B956001}"/>
+              </a:ext>
+            </a:extLst>
+          </p:cNvPr>
+          <p:cNvCxnSpPr>
+            <a:cxnSpLocks/>
+            <a:endCxn id="3" idx="3"/>
+          </p:cNvCxnSpPr>
+          <p:nvPr/>
+        </p:nvCxnSpPr>
+        <p:spPr>
+          <a:xfrm flipH="1" flipV="1">
+            <a:off x="3669957" y="4757351"/>
+            <a:ext cx="716692" cy="308919"/>
+          </a:xfrm>
+          <a:prstGeom prst="straightConnector1">
+            <a:avLst/>
+          </a:prstGeom>
+          <a:ln>
+            <a:tailEnd type="triangle"/>
+          </a:ln>
+        </p:spPr>
+        <p:style>
+          <a:lnRef idx="1">
+            <a:schemeClr val="accent1"/>
+          </a:lnRef>
+          <a:fillRef idx="0">
+            <a:schemeClr val="accent1"/>
+          </a:fillRef>
+          <a:effectRef idx="0">
+            <a:schemeClr val="accent1"/>
+          </a:effectRef>
+          <a:fontRef idx="minor">
+            <a:schemeClr val="tx1"/>
+          </a:fontRef>
+        </p:style>
+      </p:cxnSp>
+      <p:sp>
+        <p:nvSpPr>
+          <p:cNvPr id="10" name="TextBox 9">
+            <a:extLst>
+              <a:ext uri="{FF2B5EF4-FFF2-40B4-BE49-F238E27FC236}">
+                <a16:creationId xmlns:a16="http://schemas.microsoft.com/office/drawing/2014/main" id="{F6DB33B9-3DAA-4F7E-974A-E4AD1EF9FCD6}"/>
+              </a:ext>
+            </a:extLst>
+          </p:cNvPr>
+          <p:cNvSpPr txBox="1"/>
+          <p:nvPr/>
+        </p:nvSpPr>
+        <p:spPr>
+          <a:xfrm>
+            <a:off x="4547286" y="4955059"/>
+            <a:ext cx="3892379" cy="369332"/>
+          </a:xfrm>
+          <a:prstGeom prst="rect">
+            <a:avLst/>
+          </a:prstGeom>
+          <a:noFill/>
+        </p:spPr>
+        <p:txBody>
+          <a:bodyPr wrap="square" rtlCol="0">
+            <a:spAutoFit/>
+          </a:bodyPr>
+          <a:lstStyle/>
+          <a:p>
+            <a:r>
+              <a:rPr lang="en-US" dirty="0">
+                <a:solidFill>
+                  <a:srgbClr val="FF0000"/>
+                </a:solidFill>
+              </a:rPr>
+              <a:t>Documentation Uses “</a:t>
+            </a:r>
+            <a:r>
+              <a:rPr lang="en-US" dirty="0" err="1">
+                <a:solidFill>
+                  <a:srgbClr val="FF0000"/>
+                </a:solidFill>
+              </a:rPr>
+              <a:t>Openvas</a:t>
+            </a:r>
+            <a:r>
+              <a:rPr lang="en-US" dirty="0">
+                <a:solidFill>
+                  <a:srgbClr val="FF0000"/>
+                </a:solidFill>
+              </a:rPr>
+              <a:t>”</a:t>
+            </a:r>
+          </a:p>
+        </p:txBody>
+      </p:sp>
+    </p:spTree>
+    <p:extLst>
+      <p:ext uri="{BB962C8B-B14F-4D97-AF65-F5344CB8AC3E}">
+        <p14:creationId xmlns:p14="http://schemas.microsoft.com/office/powerpoint/2010/main" val="505403687"/>
+      </p:ext>
+    </p:extLst>
+  </p:cSld>
+  <p:clrMapOvr>
+    <a:masterClrMapping/>
+  </p:clrMapOvr>
+  <p:timing>
+    <p:tnLst>
+      <p:par>
+        <p:cTn id="1" dur="indefinite" restart="never" nodeType="tmRoot">
+          <p:childTnLst>
+            <p:seq concurrent="1" nextAc="seek">
+              <p:cTn id="2" dur="indefinite" nodeType="mainSeq">
+                <p:childTnLst>
+                  <p:par>
+                    <p:cTn id="3" fill="hold">
+                      <p:stCondLst>
+                        <p:cond delay="indefinite"/>
+                      </p:stCondLst>
+                      <p:childTnLst>
+                        <p:par>
+                          <p:cTn id="4" fill="hold">
+                            <p:stCondLst>
+                              <p:cond delay="0"/>
+                            </p:stCondLst>
+                            <p:childTnLst>
+                              <p:par>
+                                <p:cTn id="5" presetID="1" presetClass="entr" presetSubtype="0" fill="hold" grpId="0" nodeType="clickEffect">
+                                  <p:stCondLst>
+                                    <p:cond delay="0"/>
+                                  </p:stCondLst>
+                                  <p:childTnLst>
+                                    <p:set>
+                                      <p:cBhvr>
+                                        <p:cTn id="6" dur="1" fill="hold">
+                                          <p:stCondLst>
+                                            <p:cond delay="0"/>
+                                          </p:stCondLst>
+                                        </p:cTn>
+                                        <p:tgtEl>
+                                          <p:spTgt spid="10"/>
+                                        </p:tgtEl>
+                                        <p:attrNameLst>
+                                          <p:attrName>style.visibility</p:attrName>
+                                        </p:attrNameLst>
+                                      </p:cBhvr>
+                                      <p:to>
+                                        <p:strVal val="visible"/>
+                                      </p:to>
+                                    </p:set>
+                                  </p:childTnLst>
+                                </p:cTn>
+                              </p:par>
+                              <p:par>
+                                <p:cTn id="7" presetID="1" presetClass="entr" presetSubtype="0" fill="hold" nodeType="withEffect">
+                                  <p:stCondLst>
+                                    <p:cond delay="0"/>
+                                  </p:stCondLst>
+                                  <p:childTnLst>
+                                    <p:set>
+                                      <p:cBhvr>
+                                        <p:cTn id="8" dur="1" fill="hold">
+                                          <p:stCondLst>
+                                            <p:cond delay="0"/>
+                                          </p:stCondLst>
+                                        </p:cTn>
+                                        <p:tgtEl>
+                                          <p:spTgt spid="8"/>
+                                        </p:tgtEl>
+                                        <p:attrNameLst>
+                                          <p:attrName>style.visibility</p:attrName>
+                                        </p:attrNameLst>
+                                      </p:cBhvr>
+                                      <p:to>
+                                        <p:strVal val="visible"/>
+                                      </p:to>
+                                    </p:set>
+                                  </p:childTnLst>
+                                </p:cTn>
+                              </p:par>
+                              <p:par>
+                                <p:cTn id="9" presetID="1" presetClass="entr" presetSubtype="0" fill="hold" grpId="0" nodeType="withEffect">
+                                  <p:stCondLst>
+                                    <p:cond delay="0"/>
+                                  </p:stCondLst>
+                                  <p:childTnLst>
+                                    <p:set>
+                                      <p:cBhvr>
+                                        <p:cTn id="10" dur="1" fill="hold">
+                                          <p:stCondLst>
+                                            <p:cond delay="0"/>
+                                          </p:stCondLst>
+                                        </p:cTn>
+                                        <p:tgtEl>
+                                          <p:spTgt spid="3"/>
+                                        </p:tgtEl>
+                                        <p:attrNameLst>
+                                          <p:attrName>style.visibility</p:attrName>
+                                        </p:attrNameLst>
+                                      </p:cBhvr>
+                                      <p:to>
+                                        <p:strVal val="visible"/>
+                                      </p:to>
+                                    </p:set>
+                                  </p:childTnLst>
+                                </p:cTn>
+                              </p:par>
+                            </p:childTnLst>
+                          </p:cTn>
+                        </p:par>
+                      </p:childTnLst>
+                    </p:cTn>
+                  </p:par>
+                </p:childTnLst>
+              </p:cTn>
+              <p:prevCondLst>
+                <p:cond evt="onPrev" delay="0">
+                  <p:tgtEl>
+                    <p:sldTgt/>
+                  </p:tgtEl>
+                </p:cond>
+              </p:prevCondLst>
+              <p:nextCondLst>
+                <p:cond evt="onNext" delay="0">
+                  <p:tgtEl>
+                    <p:sldTgt/>
+                  </p:tgtEl>
+                </p:cond>
+              </p:nextCondLst>
+            </p:seq>
+          </p:childTnLst>
+        </p:cTn>
+      </p:par>
+    </p:tnLst>
+    <p:bldLst>
+      <p:bldP spid="3" grpId="0" animBg="1"/>
+      <p:bldP spid="10" grpId="0"/>
+    </p:bldLst>
+  </p:timing>
+</p:sld>
+</file>
+
+<file path=ppt/slides/slide8.xml><?xml version="1.0" encoding="utf-8"?>
+<p:sld xmlns:a="http://schemas.openxmlformats.org/drawingml/2006/main" xmlns:r="http://schemas.openxmlformats.org/officeDocument/2006/relationships" xmlns:p="http://schemas.openxmlformats.org/presentationml/2006/main">
+  <p:cSld>
+    <p:spTree>
+      <p:nvGrpSpPr>
+        <p:cNvPr id="1" name=""/>
+        <p:cNvGrpSpPr/>
+        <p:nvPr/>
+      </p:nvGrpSpPr>
+      <p:grpSpPr>
+        <a:xfrm>
+          <a:off x="0" y="0"/>
+          <a:ext cx="0" cy="0"/>
+          <a:chOff x="0" y="0"/>
+          <a:chExt cx="0" cy="0"/>
+        </a:xfrm>
+      </p:grpSpPr>
+      <p:sp>
+        <p:nvSpPr>
+          <p:cNvPr id="2" name="Title 1">
+            <a:extLst>
+              <a:ext uri="{FF2B5EF4-FFF2-40B4-BE49-F238E27FC236}">
                 <a16:creationId xmlns:a16="http://schemas.microsoft.com/office/drawing/2014/main" id="{1DC496BF-11B7-424E-B46F-E4AE546A9B4A}"/>
               </a:ext>
             </a:extLst>
@@ -7249,7 +8597,11 @@
           <a:bodyPr/>
           <a:lstStyle/>
           <a:p>
-            <a:endParaRPr lang="en-US"/>
+            <a:pPr algn="ctr"/>
+            <a:r>
+              <a:rPr lang="en-US" dirty="0"/>
+              <a:t>OpenVAS Install (Cont.)</a:t>
+            </a:r>
           </a:p>
         </p:txBody>
       </p:sp>
@@ -7295,90 +8647,6 @@
 </p:sld>
 </file>
 
-<file path=ppt/slides/slide8.xml><?xml version="1.0" encoding="utf-8"?>
-<p:sld xmlns:a="http://schemas.openxmlformats.org/drawingml/2006/main" xmlns:r="http://schemas.openxmlformats.org/officeDocument/2006/relationships" xmlns:p="http://schemas.openxmlformats.org/presentationml/2006/main">
-  <p:cSld>
-    <p:spTree>
-      <p:nvGrpSpPr>
-        <p:cNvPr id="1" name=""/>
-        <p:cNvGrpSpPr/>
-        <p:nvPr/>
-      </p:nvGrpSpPr>
-      <p:grpSpPr>
-        <a:xfrm>
-          <a:off x="0" y="0"/>
-          <a:ext cx="0" cy="0"/>
-          <a:chOff x="0" y="0"/>
-          <a:chExt cx="0" cy="0"/>
-        </a:xfrm>
-      </p:grpSpPr>
-      <p:sp>
-        <p:nvSpPr>
-          <p:cNvPr id="2" name="Title 1">
-            <a:extLst>
-              <a:ext uri="{FF2B5EF4-FFF2-40B4-BE49-F238E27FC236}">
-                <a16:creationId xmlns:a16="http://schemas.microsoft.com/office/drawing/2014/main" id="{6182F683-ACF0-4C9A-9338-7A38286F018A}"/>
-              </a:ext>
-            </a:extLst>
-          </p:cNvPr>
-          <p:cNvSpPr>
-            <a:spLocks noGrp="1"/>
-          </p:cNvSpPr>
-          <p:nvPr>
-            <p:ph type="title"/>
-          </p:nvPr>
-        </p:nvSpPr>
-        <p:spPr/>
-        <p:txBody>
-          <a:bodyPr/>
-          <a:lstStyle/>
-          <a:p>
-            <a:endParaRPr lang="en-US"/>
-          </a:p>
-        </p:txBody>
-      </p:sp>
-      <p:pic>
-        <p:nvPicPr>
-          <p:cNvPr id="5" name="Content Placeholder 4">
-            <a:extLst>
-              <a:ext uri="{FF2B5EF4-FFF2-40B4-BE49-F238E27FC236}">
-                <a16:creationId xmlns:a16="http://schemas.microsoft.com/office/drawing/2014/main" id="{6699EC22-2C56-4070-844E-E45306834C45}"/>
-              </a:ext>
-            </a:extLst>
-          </p:cNvPr>
-          <p:cNvPicPr>
-            <a:picLocks noGrp="1" noChangeAspect="1"/>
-          </p:cNvPicPr>
-          <p:nvPr>
-            <p:ph idx="1"/>
-          </p:nvPr>
-        </p:nvPicPr>
-        <p:blipFill>
-          <a:blip r:embed="rId2"/>
-          <a:stretch>
-            <a:fillRect/>
-          </a:stretch>
-        </p:blipFill>
-        <p:spPr>
-          <a:xfrm>
-            <a:off x="1151492" y="2514600"/>
-            <a:ext cx="9905998" cy="3317216"/>
-          </a:xfrm>
-        </p:spPr>
-      </p:pic>
-    </p:spTree>
-    <p:extLst>
-      <p:ext uri="{BB962C8B-B14F-4D97-AF65-F5344CB8AC3E}">
-        <p14:creationId xmlns:p14="http://schemas.microsoft.com/office/powerpoint/2010/main" val="97996457"/>
-      </p:ext>
-    </p:extLst>
-  </p:cSld>
-  <p:clrMapOvr>
-    <a:masterClrMapping/>
-  </p:clrMapOvr>
-</p:sld>
-</file>
-
 <file path=ppt/slides/slide9.xml><?xml version="1.0" encoding="utf-8"?>
 <p:sld xmlns:a="http://schemas.openxmlformats.org/drawingml/2006/main" xmlns:r="http://schemas.openxmlformats.org/officeDocument/2006/relationships" xmlns:p="http://schemas.openxmlformats.org/presentationml/2006/main">
   <p:cSld>
@@ -7401,7 +8669,7 @@
           <p:cNvPr id="2" name="Title 1">
             <a:extLst>
               <a:ext uri="{FF2B5EF4-FFF2-40B4-BE49-F238E27FC236}">
-                <a16:creationId xmlns:a16="http://schemas.microsoft.com/office/drawing/2014/main" id="{E230FDE6-CB8D-45F2-A954-D5FEE8351561}"/>
+                <a16:creationId xmlns:a16="http://schemas.microsoft.com/office/drawing/2014/main" id="{6182F683-ACF0-4C9A-9338-7A38286F018A}"/>
               </a:ext>
             </a:extLst>
           </p:cNvPr>
@@ -7417,7 +8685,11 @@
           <a:bodyPr/>
           <a:lstStyle/>
           <a:p>
-            <a:endParaRPr lang="en-US"/>
+            <a:pPr algn="ctr"/>
+            <a:r>
+              <a:rPr lang="en-US" dirty="0"/>
+              <a:t>OpenVAS Install (Cont.)</a:t>
+            </a:r>
           </a:p>
         </p:txBody>
       </p:sp>
@@ -7426,7 +8698,7 @@
           <p:cNvPr id="5" name="Content Placeholder 4">
             <a:extLst>
               <a:ext uri="{FF2B5EF4-FFF2-40B4-BE49-F238E27FC236}">
-                <a16:creationId xmlns:a16="http://schemas.microsoft.com/office/drawing/2014/main" id="{C7716B5E-741C-494C-8CC8-885026657B4D}"/>
+                <a16:creationId xmlns:a16="http://schemas.microsoft.com/office/drawing/2014/main" id="{6699EC22-2C56-4070-844E-E45306834C45}"/>
               </a:ext>
             </a:extLst>
           </p:cNvPr>
@@ -7445,21 +8717,302 @@
         </p:blipFill>
         <p:spPr>
           <a:xfrm>
-            <a:off x="1126605" y="2514600"/>
-            <a:ext cx="9953642" cy="2519516"/>
+            <a:off x="1141413" y="2477530"/>
+            <a:ext cx="9905998" cy="3317216"/>
           </a:xfrm>
         </p:spPr>
       </p:pic>
+      <p:sp>
+        <p:nvSpPr>
+          <p:cNvPr id="3" name="Rectangle 2">
+            <a:extLst>
+              <a:ext uri="{FF2B5EF4-FFF2-40B4-BE49-F238E27FC236}">
+                <a16:creationId xmlns:a16="http://schemas.microsoft.com/office/drawing/2014/main" id="{5091720F-59B5-4DB1-8769-012A3E9CB2F5}"/>
+              </a:ext>
+            </a:extLst>
+          </p:cNvPr>
+          <p:cNvSpPr/>
+          <p:nvPr/>
+        </p:nvSpPr>
+        <p:spPr>
+          <a:xfrm>
+            <a:off x="5140411" y="4436076"/>
+            <a:ext cx="4658497" cy="358346"/>
+          </a:xfrm>
+          <a:prstGeom prst="rect">
+            <a:avLst/>
+          </a:prstGeom>
+          <a:noFill/>
+          <a:ln>
+            <a:solidFill>
+              <a:srgbClr val="FF0000"/>
+            </a:solidFill>
+          </a:ln>
+        </p:spPr>
+        <p:style>
+          <a:lnRef idx="2">
+            <a:schemeClr val="accent1">
+              <a:shade val="50000"/>
+            </a:schemeClr>
+          </a:lnRef>
+          <a:fillRef idx="1">
+            <a:schemeClr val="accent1"/>
+          </a:fillRef>
+          <a:effectRef idx="0">
+            <a:schemeClr val="accent1"/>
+          </a:effectRef>
+          <a:fontRef idx="minor">
+            <a:schemeClr val="lt1"/>
+          </a:fontRef>
+        </p:style>
+        <p:txBody>
+          <a:bodyPr rtlCol="0" anchor="ctr"/>
+          <a:lstStyle/>
+          <a:p>
+            <a:pPr algn="ctr"/>
+            <a:endParaRPr lang="en-US"/>
+          </a:p>
+        </p:txBody>
+      </p:sp>
+      <p:cxnSp>
+        <p:nvCxnSpPr>
+          <p:cNvPr id="6" name="Straight Arrow Connector 5">
+            <a:extLst>
+              <a:ext uri="{FF2B5EF4-FFF2-40B4-BE49-F238E27FC236}">
+                <a16:creationId xmlns:a16="http://schemas.microsoft.com/office/drawing/2014/main" id="{685D5377-8356-441C-A185-EBD03D515CE7}"/>
+              </a:ext>
+            </a:extLst>
+          </p:cNvPr>
+          <p:cNvCxnSpPr/>
+          <p:nvPr/>
+        </p:nvCxnSpPr>
+        <p:spPr>
+          <a:xfrm flipH="1" flipV="1">
+            <a:off x="7512908" y="4794422"/>
+            <a:ext cx="284206" cy="345989"/>
+          </a:xfrm>
+          <a:prstGeom prst="straightConnector1">
+            <a:avLst/>
+          </a:prstGeom>
+          <a:ln>
+            <a:tailEnd type="triangle"/>
+          </a:ln>
+        </p:spPr>
+        <p:style>
+          <a:lnRef idx="1">
+            <a:schemeClr val="accent1"/>
+          </a:lnRef>
+          <a:fillRef idx="0">
+            <a:schemeClr val="accent1"/>
+          </a:fillRef>
+          <a:effectRef idx="0">
+            <a:schemeClr val="accent1"/>
+          </a:effectRef>
+          <a:fontRef idx="minor">
+            <a:schemeClr val="tx1"/>
+          </a:fontRef>
+        </p:style>
+      </p:cxnSp>
+      <p:sp>
+        <p:nvSpPr>
+          <p:cNvPr id="7" name="TextBox 6">
+            <a:extLst>
+              <a:ext uri="{FF2B5EF4-FFF2-40B4-BE49-F238E27FC236}">
+                <a16:creationId xmlns:a16="http://schemas.microsoft.com/office/drawing/2014/main" id="{2A9F2FB7-29B4-40BD-8E6F-107C5470B7BB}"/>
+              </a:ext>
+            </a:extLst>
+          </p:cNvPr>
+          <p:cNvSpPr txBox="1"/>
+          <p:nvPr/>
+        </p:nvSpPr>
+        <p:spPr>
+          <a:xfrm>
+            <a:off x="6561438" y="5152768"/>
+            <a:ext cx="3237470" cy="369332"/>
+          </a:xfrm>
+          <a:prstGeom prst="rect">
+            <a:avLst/>
+          </a:prstGeom>
+          <a:noFill/>
+        </p:spPr>
+        <p:txBody>
+          <a:bodyPr wrap="square" rtlCol="0">
+            <a:spAutoFit/>
+          </a:bodyPr>
+          <a:lstStyle/>
+          <a:p>
+            <a:r>
+              <a:rPr lang="en-US" dirty="0">
+                <a:solidFill>
+                  <a:srgbClr val="FF0000"/>
+                </a:solidFill>
+              </a:rPr>
+              <a:t>Copy this for later use.</a:t>
+            </a:r>
+          </a:p>
+        </p:txBody>
+      </p:sp>
     </p:spTree>
     <p:extLst>
       <p:ext uri="{BB962C8B-B14F-4D97-AF65-F5344CB8AC3E}">
-        <p14:creationId xmlns:p14="http://schemas.microsoft.com/office/powerpoint/2010/main" val="595785791"/>
+        <p14:creationId xmlns:p14="http://schemas.microsoft.com/office/powerpoint/2010/main" val="97996457"/>
       </p:ext>
     </p:extLst>
   </p:cSld>
   <p:clrMapOvr>
     <a:masterClrMapping/>
   </p:clrMapOvr>
+  <p:timing>
+    <p:tnLst>
+      <p:par>
+        <p:cTn id="1" dur="indefinite" restart="never" nodeType="tmRoot">
+          <p:childTnLst>
+            <p:seq concurrent="1" nextAc="seek">
+              <p:cTn id="2" dur="indefinite" nodeType="mainSeq">
+                <p:childTnLst>
+                  <p:par>
+                    <p:cTn id="3" fill="hold">
+                      <p:stCondLst>
+                        <p:cond delay="indefinite"/>
+                      </p:stCondLst>
+                      <p:childTnLst>
+                        <p:par>
+                          <p:cTn id="4" fill="hold">
+                            <p:stCondLst>
+                              <p:cond delay="0"/>
+                            </p:stCondLst>
+                            <p:childTnLst>
+                              <p:par>
+                                <p:cTn id="5" presetID="1" presetClass="entr" presetSubtype="0" fill="hold" grpId="0" nodeType="clickEffect">
+                                  <p:stCondLst>
+                                    <p:cond delay="0"/>
+                                  </p:stCondLst>
+                                  <p:childTnLst>
+                                    <p:set>
+                                      <p:cBhvr>
+                                        <p:cTn id="6" dur="1" fill="hold">
+                                          <p:stCondLst>
+                                            <p:cond delay="0"/>
+                                          </p:stCondLst>
+                                        </p:cTn>
+                                        <p:tgtEl>
+                                          <p:spTgt spid="7"/>
+                                        </p:tgtEl>
+                                        <p:attrNameLst>
+                                          <p:attrName>style.visibility</p:attrName>
+                                        </p:attrNameLst>
+                                      </p:cBhvr>
+                                      <p:to>
+                                        <p:strVal val="visible"/>
+                                      </p:to>
+                                    </p:set>
+                                  </p:childTnLst>
+                                </p:cTn>
+                              </p:par>
+                            </p:childTnLst>
+                          </p:cTn>
+                        </p:par>
+                        <p:par>
+                          <p:cTn id="7" fill="hold">
+                            <p:stCondLst>
+                              <p:cond delay="0"/>
+                            </p:stCondLst>
+                            <p:childTnLst>
+                              <p:par>
+                                <p:cTn id="8" presetID="1" presetClass="entr" presetSubtype="0" fill="hold" nodeType="afterEffect">
+                                  <p:stCondLst>
+                                    <p:cond delay="0"/>
+                                  </p:stCondLst>
+                                  <p:childTnLst>
+                                    <p:set>
+                                      <p:cBhvr>
+                                        <p:cTn id="9" dur="1" fill="hold">
+                                          <p:stCondLst>
+                                            <p:cond delay="0"/>
+                                          </p:stCondLst>
+                                        </p:cTn>
+                                        <p:tgtEl>
+                                          <p:spTgt spid="6"/>
+                                        </p:tgtEl>
+                                        <p:attrNameLst>
+                                          <p:attrName>style.visibility</p:attrName>
+                                        </p:attrNameLst>
+                                      </p:cBhvr>
+                                      <p:to>
+                                        <p:strVal val="visible"/>
+                                      </p:to>
+                                    </p:set>
+                                  </p:childTnLst>
+                                </p:cTn>
+                              </p:par>
+                            </p:childTnLst>
+                          </p:cTn>
+                        </p:par>
+                        <p:par>
+                          <p:cTn id="10" fill="hold">
+                            <p:stCondLst>
+                              <p:cond delay="0"/>
+                            </p:stCondLst>
+                            <p:childTnLst>
+                              <p:par>
+                                <p:cTn id="11" presetID="1" presetClass="entr" presetSubtype="0" fill="hold" grpId="0" nodeType="afterEffect">
+                                  <p:stCondLst>
+                                    <p:cond delay="0"/>
+                                  </p:stCondLst>
+                                  <p:childTnLst>
+                                    <p:set>
+                                      <p:cBhvr>
+                                        <p:cTn id="12" dur="1" fill="hold">
+                                          <p:stCondLst>
+                                            <p:cond delay="0"/>
+                                          </p:stCondLst>
+                                        </p:cTn>
+                                        <p:tgtEl>
+                                          <p:spTgt spid="3"/>
+                                        </p:tgtEl>
+                                        <p:attrNameLst>
+                                          <p:attrName>style.visibility</p:attrName>
+                                        </p:attrNameLst>
+                                      </p:cBhvr>
+                                      <p:to>
+                                        <p:strVal val="visible"/>
+                                      </p:to>
+                                    </p:set>
+                                  </p:childTnLst>
+                                </p:cTn>
+                              </p:par>
+                            </p:childTnLst>
+                          </p:cTn>
+                        </p:par>
+                      </p:childTnLst>
+                    </p:cTn>
+                  </p:par>
+                </p:childTnLst>
+              </p:cTn>
+              <p:prevCondLst>
+                <p:cond evt="onPrev" delay="0">
+                  <p:tgtEl>
+                    <p:sldTgt/>
+                  </p:tgtEl>
+                </p:cond>
+              </p:prevCondLst>
+              <p:nextCondLst>
+                <p:cond evt="onNext" delay="0">
+                  <p:tgtEl>
+                    <p:sldTgt/>
+                  </p:tgtEl>
+                </p:cond>
+              </p:nextCondLst>
+            </p:seq>
+          </p:childTnLst>
+        </p:cTn>
+      </p:par>
+    </p:tnLst>
+    <p:bldLst>
+      <p:bldP spid="3" grpId="0" animBg="1"/>
+      <p:bldP spid="7" grpId="0"/>
+    </p:bldLst>
+  </p:timing>
 </p:sld>
 </file>
 
